--- a/ppt/算法讲解185【挺难】点分树和动态点分治.pptx
+++ b/ppt/算法讲解185【挺难】点分树和动态点分治.pptx
@@ -3921,7 +3921,7 @@
       </p:sp>
       <p:sp>
         <p:nvSpPr>
-          <p:cNvPr id="153" name="前缀知识…"/>
+          <p:cNvPr id="153" name="前置知识…"/>
           <p:cNvSpPr txBox="1"/>
           <p:nvPr/>
         </p:nvSpPr>
@@ -3960,7 +3960,7 @@
               </a:defRPr>
             </a:pPr>
             <a:r>
-              <a:t>前缀知识</a:t>
+              <a:t>前置知识</a:t>
             </a:r>
           </a:p>
           <a:p>
